--- a/acid_isolation/transactions.pptx
+++ b/acid_isolation/transactions.pptx
@@ -17112,7 +17112,7 @@
           <a:p>
             <a:pPr/>
             <a:r>
-              <a:t>Kubernetes-demo repository:</a:t>
+              <a:t>Kubernetes-demo repository:                      Presentations repository:</a:t>
             </a:r>
           </a:p>
           <a:p>
@@ -17165,8 +17165,37 @@
         </p:blipFill>
         <p:spPr>
           <a:xfrm>
-            <a:off x="7293405" y="5917341"/>
+            <a:off x="2360130" y="6565145"/>
             <a:ext cx="2725234" cy="2725234"/>
+          </a:xfrm>
+          <a:prstGeom prst="rect">
+            <a:avLst/>
+          </a:prstGeom>
+          <a:ln w="12700">
+            <a:miter lim="400000"/>
+          </a:ln>
+        </p:spPr>
+      </p:pic>
+      <p:pic>
+        <p:nvPicPr>
+          <p:cNvPr id="655" name="qrcode.png" descr="qrcode.png"/>
+          <p:cNvPicPr>
+            <a:picLocks noChangeAspect="1"/>
+          </p:cNvPicPr>
+          <p:nvPr/>
+        </p:nvPicPr>
+        <p:blipFill>
+          <a:blip r:embed="rId3">
+            <a:extLst/>
+          </a:blip>
+          <a:stretch>
+            <a:fillRect/>
+          </a:stretch>
+        </p:blipFill>
+        <p:spPr>
+          <a:xfrm>
+            <a:off x="8435464" y="6565145"/>
+            <a:ext cx="2725235" cy="2725234"/>
           </a:xfrm>
           <a:prstGeom prst="rect">
             <a:avLst/>
@@ -17204,7 +17233,7 @@
       </p:grpSpPr>
       <p:sp>
         <p:nvSpPr>
-          <p:cNvPr id="656" name="Thanks! :)"/>
+          <p:cNvPr id="657" name="Thanks! :)"/>
           <p:cNvSpPr txBox="1"/>
           <p:nvPr>
             <p:ph type="title"/>
